--- a/발표 ppt_송혜령.pptx
+++ b/발표 ppt_송혜령.pptx
@@ -1,13 +1,13 @@
 
 <file path=ppt/presentation.xml><?xml version="1.0" encoding="utf-8"?>
-<p:presentation xmlns:a="http://schemas.openxmlformats.org/drawingml/2006/main" xmlns:r="http://schemas.openxmlformats.org/officeDocument/2006/relationships" xmlns:p="http://schemas.openxmlformats.org/presentationml/2006/main" autoCompressPictures="0">
+<p:presentation xmlns:r="http://schemas.openxmlformats.org/officeDocument/2006/relationships" xmlns:c="http://schemas.openxmlformats.org/drawingml/2006/chart" xmlns:a="http://schemas.openxmlformats.org/drawingml/2006/main" xmlns:dgm="http://schemas.openxmlformats.org/drawingml/2006/diagram" xmlns:dsp="http://schemas.microsoft.com/office/drawing/2008/diagram" xmlns:p="http://schemas.openxmlformats.org/presentationml/2006/main" autoCompressPictures="0">
   <p:sldMasterIdLst>
-    <p:sldMasterId id="2147483648" r:id="rId1"/>
+    <p:sldMasterId id="2147483669" r:id="rId1"/>
   </p:sldMasterIdLst>
   <p:sldIdLst>
     <p:sldId id="256" r:id="rId2"/>
-    <p:sldId id="258" r:id="rId3"/>
-    <p:sldId id="257" r:id="rId4"/>
+    <p:sldId id="257" r:id="rId3"/>
+    <p:sldId id="258" r:id="rId4"/>
     <p:sldId id="259" r:id="rId5"/>
     <p:sldId id="260" r:id="rId6"/>
     <p:sldId id="261" r:id="rId7"/>
@@ -110,23 +110,12 @@
       </a:defRPr>
     </a:lvl9pPr>
   </p:defaultTextStyle>
-  <p:extLst>
-    <p:ext uri="{EFAFB233-063F-42B5-8137-9DF3F51BA10A}">
-      <p15:sldGuideLst xmlns:p15="http://schemas.microsoft.com/office/powerpoint/2012/main"/>
-    </p:ext>
-  </p:extLst>
 </p:presentation>
 </file>
 
 <file path=ppt/commentAuthors.xml><?xml version="1.0" encoding="utf-8"?>
-<p:cmAuthorLst xmlns:a="http://schemas.openxmlformats.org/drawingml/2006/main" xmlns:r="http://schemas.openxmlformats.org/officeDocument/2006/relationships" xmlns:p="http://schemas.openxmlformats.org/presentationml/2006/main">
-  <p:cmAuthor id="1" name="User" initials="U" lastIdx="0" clrIdx="0">
-    <p:extLst>
-      <p:ext uri="{19B8F6BF-5375-455C-9EA6-DF929625EA0E}">
-        <p15:presenceInfo xmlns:p15="http://schemas.microsoft.com/office/powerpoint/2012/main" userId="User" providerId="None"/>
-      </p:ext>
-    </p:extLst>
-  </p:cmAuthor>
+<p:cmAuthorLst xmlns:r="http://schemas.openxmlformats.org/officeDocument/2006/relationships" xmlns:c="http://schemas.openxmlformats.org/drawingml/2006/chart" xmlns:a="http://schemas.openxmlformats.org/drawingml/2006/main" xmlns:dgm="http://schemas.openxmlformats.org/drawingml/2006/diagram" xmlns:dsp="http://schemas.microsoft.com/office/drawing/2008/diagram" xmlns:p="http://schemas.openxmlformats.org/presentationml/2006/main">
+  <p:cmAuthor id="1" name="User" initials="U" lastIdx="0" clrIdx="0"/>
 </p:cmAuthorLst>
 </file>
 
@@ -6060,7 +6049,7 @@
 </file>
 
 <file path=ppt/slides/slide2.xml><?xml version="1.0" encoding="utf-8"?>
-<p:sld xmlns:a="http://schemas.openxmlformats.org/drawingml/2006/main" xmlns:r="http://schemas.openxmlformats.org/officeDocument/2006/relationships" xmlns:p="http://schemas.openxmlformats.org/presentationml/2006/main">
+<p:sld xmlns:r="http://schemas.openxmlformats.org/officeDocument/2006/relationships" xmlns:c="http://schemas.openxmlformats.org/drawingml/2006/chart" xmlns:a="http://schemas.openxmlformats.org/drawingml/2006/main" xmlns:dgm="http://schemas.openxmlformats.org/drawingml/2006/diagram" xmlns:dsp="http://schemas.microsoft.com/office/drawing/2008/diagram" xmlns:p="http://schemas.openxmlformats.org/presentationml/2006/main">
   <p:cSld>
     <p:spTree>
       <p:nvGrpSpPr>
@@ -6083,7 +6072,7 @@
             <a:spLocks noGrp="1"/>
           </p:cNvSpPr>
           <p:nvPr>
-            <p:ph type="title"/>
+            <p:ph type="title" idx="0"/>
           </p:nvPr>
         </p:nvSpPr>
         <p:spPr/>
@@ -6091,11 +6080,14 @@
           <a:bodyPr/>
           <a:lstStyle/>
           <a:p>
-            <a:r>
-              <a:rPr lang="ko-KR" altLang="en-US" dirty="0" smtClean="0"/>
+            <a:pPr lvl="0">
+              <a:defRPr/>
+            </a:pPr>
+            <a:r>
+              <a:rPr lang="ko-KR" altLang="en-US"/>
               <a:t>게임 룰</a:t>
             </a:r>
-            <a:endParaRPr lang="ko-KR" altLang="en-US" dirty="0"/>
+            <a:endParaRPr lang="ko-KR" altLang="en-US"/>
           </a:p>
         </p:txBody>
       </p:sp>
@@ -6114,170 +6106,184 @@
           <a:bodyPr/>
           <a:lstStyle/>
           <a:p>
-            <a:r>
-              <a:rPr lang="ko-KR" altLang="en-US" dirty="0" smtClean="0"/>
+            <a:pPr lvl="0">
+              <a:defRPr/>
+            </a:pPr>
+            <a:r>
+              <a:rPr lang="ko-KR" altLang="en-US"/>
               <a:t>일본어 기초 단어 공부 게임</a:t>
             </a:r>
-            <a:endParaRPr lang="en-US" altLang="ko-KR" dirty="0" smtClean="0"/>
-          </a:p>
-          <a:p>
-            <a:r>
-              <a:rPr lang="ko-KR" altLang="en-US" dirty="0" smtClean="0"/>
+            <a:endParaRPr lang="ko-KR" altLang="en-US"/>
+          </a:p>
+          <a:p>
+            <a:pPr lvl="0">
+              <a:defRPr/>
+            </a:pPr>
+            <a:r>
+              <a:rPr lang="ko-KR" altLang="en-US"/>
               <a:t>히라가나를 몰라도 한글로 발음이 써있어서 누구나 할 수 있는 게임이다</a:t>
             </a:r>
             <a:r>
-              <a:rPr lang="en-US" altLang="ko-KR" dirty="0" smtClean="0"/>
+              <a:rPr lang="en-US" altLang="ko-KR"/>
               <a:t>.</a:t>
             </a:r>
-          </a:p>
-          <a:p>
-            <a:r>
-              <a:rPr lang="ko-KR" altLang="en-US" dirty="0" err="1" smtClean="0"/>
+            <a:endParaRPr lang="en-US" altLang="ko-KR"/>
+          </a:p>
+          <a:p>
+            <a:pPr lvl="0">
+              <a:defRPr/>
+            </a:pPr>
+            <a:r>
+              <a:rPr lang="ko-KR" altLang="en-US"/>
               <a:t>과일공부</a:t>
             </a:r>
             <a:r>
-              <a:rPr lang="en-US" altLang="ko-KR" dirty="0" smtClean="0"/>
+              <a:rPr lang="en-US" altLang="ko-KR"/>
               <a:t>, </a:t>
             </a:r>
             <a:r>
-              <a:rPr lang="ko-KR" altLang="en-US" dirty="0" err="1" smtClean="0"/>
+              <a:rPr lang="ko-KR" altLang="en-US"/>
               <a:t>색깔공부</a:t>
             </a:r>
             <a:r>
-              <a:rPr lang="en-US" altLang="ko-KR" dirty="0" smtClean="0"/>
+              <a:rPr lang="en-US" altLang="ko-KR"/>
               <a:t>, </a:t>
             </a:r>
             <a:r>
-              <a:rPr lang="ko-KR" altLang="en-US" dirty="0" err="1" smtClean="0"/>
-              <a:t>숫자공부를</a:t>
-            </a:r>
-            <a:r>
-              <a:rPr lang="ko-KR" altLang="en-US" dirty="0" smtClean="0"/>
-              <a:t> 할 수 있다</a:t>
-            </a:r>
-            <a:r>
-              <a:rPr lang="en-US" altLang="ko-KR" dirty="0" smtClean="0"/>
+              <a:rPr lang="ko-KR" altLang="en-US"/>
+              <a:t>숫자공부를 할 수 있다</a:t>
+            </a:r>
+            <a:r>
+              <a:rPr lang="en-US" altLang="ko-KR"/>
               <a:t>.</a:t>
             </a:r>
-          </a:p>
-          <a:p>
-            <a:r>
-              <a:rPr lang="ko-KR" altLang="en-US" dirty="0" smtClean="0"/>
+            <a:endParaRPr lang="en-US" altLang="ko-KR"/>
+          </a:p>
+          <a:p>
+            <a:pPr lvl="0">
+              <a:defRPr/>
+            </a:pPr>
+            <a:r>
+              <a:rPr lang="ko-KR" altLang="en-US"/>
               <a:t>문제로 나온 단어에 맞는 그림을 선택하면 된다</a:t>
             </a:r>
             <a:r>
-              <a:rPr lang="en-US" altLang="ko-KR" dirty="0" smtClean="0"/>
+              <a:rPr lang="en-US" altLang="ko-KR"/>
               <a:t>.</a:t>
             </a:r>
-          </a:p>
-          <a:p>
-            <a:r>
-              <a:rPr lang="ko-KR" altLang="en-US" dirty="0" smtClean="0"/>
+            <a:endParaRPr lang="en-US" altLang="ko-KR"/>
+          </a:p>
+          <a:p>
+            <a:pPr lvl="0">
+              <a:defRPr/>
+            </a:pPr>
+            <a:r>
+              <a:rPr lang="ko-KR" altLang="en-US"/>
               <a:t>문제는 각각 </a:t>
             </a:r>
             <a:r>
-              <a:rPr lang="en-US" altLang="ko-KR" dirty="0" smtClean="0"/>
+              <a:rPr lang="en-US" altLang="ko-KR"/>
               <a:t>5</a:t>
             </a:r>
             <a:r>
-              <a:rPr lang="ko-KR" altLang="en-US" dirty="0" err="1" smtClean="0"/>
+              <a:rPr lang="ko-KR" altLang="en-US"/>
               <a:t>문제씩이지만</a:t>
             </a:r>
             <a:r>
-              <a:rPr lang="en-US" altLang="ko-KR" dirty="0" smtClean="0"/>
+              <a:rPr lang="en-US" altLang="ko-KR"/>
               <a:t>, </a:t>
             </a:r>
             <a:r>
-              <a:rPr lang="ko-KR" altLang="en-US" dirty="0" smtClean="0"/>
+              <a:rPr lang="ko-KR" altLang="en-US"/>
               <a:t>랜덤으로 나오므로 무제한으로 공부할 수 있다</a:t>
             </a:r>
             <a:r>
-              <a:rPr lang="en-US" altLang="ko-KR" dirty="0" smtClean="0"/>
+              <a:rPr lang="en-US" altLang="ko-KR"/>
               <a:t>.</a:t>
             </a:r>
-          </a:p>
-          <a:p>
-            <a:r>
-              <a:rPr lang="ko-KR" altLang="en-US" dirty="0" err="1" smtClean="0"/>
-              <a:t>힌트버튼을</a:t>
-            </a:r>
-            <a:r>
-              <a:rPr lang="ko-KR" altLang="en-US" dirty="0" smtClean="0"/>
-              <a:t> 누르면 힌트를 볼 수 있다</a:t>
-            </a:r>
-            <a:r>
-              <a:rPr lang="en-US" altLang="ko-KR" dirty="0" smtClean="0"/>
+            <a:endParaRPr lang="en-US" altLang="ko-KR"/>
+          </a:p>
+          <a:p>
+            <a:pPr lvl="0">
+              <a:defRPr/>
+            </a:pPr>
+            <a:r>
+              <a:rPr lang="ko-KR" altLang="en-US"/>
+              <a:t>힌트버튼을 누르면 힌트를 볼 수 있다</a:t>
+            </a:r>
+            <a:r>
+              <a:rPr lang="en-US" altLang="ko-KR"/>
               <a:t>.</a:t>
             </a:r>
-          </a:p>
-          <a:p>
-            <a:r>
-              <a:rPr lang="ko-KR" altLang="en-US" dirty="0" err="1" smtClean="0"/>
-              <a:t>한문제당</a:t>
-            </a:r>
-            <a:r>
-              <a:rPr lang="ko-KR" altLang="en-US" dirty="0" smtClean="0"/>
-              <a:t> 맞으면 </a:t>
-            </a:r>
-            <a:r>
-              <a:rPr lang="en-US" altLang="ko-KR" dirty="0" smtClean="0"/>
+            <a:endParaRPr lang="en-US" altLang="ko-KR"/>
+          </a:p>
+          <a:p>
+            <a:pPr lvl="0">
+              <a:defRPr/>
+            </a:pPr>
+            <a:r>
+              <a:rPr lang="ko-KR" altLang="en-US"/>
+              <a:t>한문제당 맞으면 </a:t>
+            </a:r>
+            <a:r>
+              <a:rPr lang="en-US" altLang="ko-KR"/>
               <a:t>20</a:t>
             </a:r>
             <a:r>
-              <a:rPr lang="ko-KR" altLang="en-US" dirty="0" smtClean="0"/>
+              <a:rPr lang="ko-KR" altLang="en-US"/>
               <a:t>점씩 올라가며</a:t>
             </a:r>
             <a:r>
-              <a:rPr lang="en-US" altLang="ko-KR" dirty="0" smtClean="0"/>
+              <a:rPr lang="en-US" altLang="ko-KR"/>
               <a:t>, </a:t>
             </a:r>
             <a:r>
-              <a:rPr lang="ko-KR" altLang="en-US" dirty="0" smtClean="0"/>
+              <a:rPr lang="ko-KR" altLang="en-US"/>
               <a:t>틀리면 빨간 박스가 하나씩 줄어든다</a:t>
             </a:r>
             <a:r>
-              <a:rPr lang="en-US" altLang="ko-KR" dirty="0" smtClean="0"/>
+              <a:rPr lang="en-US" altLang="ko-KR"/>
               <a:t>.</a:t>
             </a:r>
-          </a:p>
-          <a:p>
-            <a:r>
-              <a:rPr lang="ko-KR" altLang="en-US" dirty="0" smtClean="0"/>
-              <a:t>제한시간은 </a:t>
-            </a:r>
-            <a:r>
-              <a:rPr lang="ko-KR" altLang="en-US" dirty="0" err="1" smtClean="0"/>
-              <a:t>한문제당</a:t>
-            </a:r>
-            <a:r>
-              <a:rPr lang="en-US" altLang="ko-KR" dirty="0"/>
-              <a:t> </a:t>
-            </a:r>
-            <a:r>
-              <a:rPr lang="en-US" altLang="ko-KR" dirty="0" smtClean="0"/>
-              <a:t>10</a:t>
-            </a:r>
-            <a:r>
-              <a:rPr lang="ko-KR" altLang="en-US" dirty="0" smtClean="0"/>
+            <a:endParaRPr lang="en-US" altLang="ko-KR"/>
+          </a:p>
+          <a:p>
+            <a:pPr lvl="0">
+              <a:defRPr/>
+            </a:pPr>
+            <a:r>
+              <a:rPr lang="ko-KR" altLang="en-US"/>
+              <a:t>제한시간은 한문제당</a:t>
+            </a:r>
+            <a:r>
+              <a:rPr lang="en-US" altLang="ko-KR"/>
+              <a:t> 15</a:t>
+            </a:r>
+            <a:r>
+              <a:rPr lang="ko-KR" altLang="en-US"/>
               <a:t>초이다</a:t>
             </a:r>
             <a:r>
-              <a:rPr lang="en-US" altLang="ko-KR" dirty="0" smtClean="0"/>
+              <a:rPr lang="en-US" altLang="ko-KR"/>
               <a:t>.</a:t>
             </a:r>
+            <a:endParaRPr lang="en-US" altLang="ko-KR"/>
           </a:p>
         </p:txBody>
       </p:sp>
     </p:spTree>
-    <p:extLst>
-      <p:ext uri="{BB962C8B-B14F-4D97-AF65-F5344CB8AC3E}">
-        <p14:creationId xmlns:p14="http://schemas.microsoft.com/office/powerpoint/2010/main" val="2314928718"/>
-      </p:ext>
-    </p:extLst>
   </p:cSld>
   <p:clrMapOvr>
     <a:masterClrMapping/>
   </p:clrMapOvr>
+  <mc:AlternateContent xmlns:mc="http://schemas.openxmlformats.org/markup-compatibility/2006">
+    <mc:Choice xmlns:p14="http://schemas.microsoft.com/office/powerpoint/2010/main" Requires="p14">
+      <p:transition xmlns:mc="http://schemas.openxmlformats.org/markup-compatibility/2006" xmlns:p14="http://schemas.microsoft.com/office/powerpoint/2010/main" mc:Ignorable="p14" p14:dur="500"/>
+    </mc:Choice>
+    <mc:Fallback>
+      <p:transition/>
+    </mc:Fallback>
+  </mc:AlternateContent>
   <p:timing>
     <p:tnLst>
       <p:par>
@@ -6289,7 +6295,7 @@
 </file>
 
 <file path=ppt/slides/slide3.xml><?xml version="1.0" encoding="utf-8"?>
-<p:sld xmlns:a="http://schemas.openxmlformats.org/drawingml/2006/main" xmlns:r="http://schemas.openxmlformats.org/officeDocument/2006/relationships" xmlns:p="http://schemas.openxmlformats.org/presentationml/2006/main">
+<p:sld xmlns:r="http://schemas.openxmlformats.org/officeDocument/2006/relationships" xmlns:c="http://schemas.openxmlformats.org/drawingml/2006/chart" xmlns:a="http://schemas.openxmlformats.org/drawingml/2006/main" xmlns:dgm="http://schemas.openxmlformats.org/drawingml/2006/diagram" xmlns:dsp="http://schemas.microsoft.com/office/drawing/2008/diagram" xmlns:p="http://schemas.openxmlformats.org/presentationml/2006/main">
   <p:cSld>
     <p:spTree>
       <p:nvGrpSpPr>
@@ -6313,14 +6319,8 @@
           </p:cNvPicPr>
           <p:nvPr/>
         </p:nvPicPr>
-        <p:blipFill>
-          <a:blip r:embed="rId2">
-            <a:extLst>
-              <a:ext uri="{28A0092B-C50C-407E-A947-70E740481C1C}">
-                <a14:useLocalDpi xmlns:a14="http://schemas.microsoft.com/office/drawing/2010/main" val="0"/>
-              </a:ext>
-            </a:extLst>
-          </a:blip>
+        <p:blipFill rotWithShape="1">
+          <a:blip r:embed="rId2"/>
           <a:stretch>
             <a:fillRect/>
           </a:stretch>
@@ -6387,17 +6387,20 @@
           <a:noFill/>
         </p:spPr>
         <p:txBody>
-          <a:bodyPr wrap="square" rtlCol="0">
+          <a:bodyPr wrap="square">
             <a:spAutoFit/>
           </a:bodyPr>
           <a:lstStyle/>
           <a:p>
-            <a:r>
-              <a:rPr lang="en-US" altLang="ko-KR" dirty="0" smtClean="0"/>
+            <a:pPr lvl="0">
+              <a:defRPr/>
+            </a:pPr>
+            <a:r>
+              <a:rPr lang="en-US" altLang="ko-KR"/>
               <a:t>1)</a:t>
             </a:r>
             <a:r>
-              <a:rPr lang="en-US" altLang="ko-KR" dirty="0" smtClean="0">
+              <a:rPr lang="en-US" altLang="ko-KR">
                 <a:solidFill>
                   <a:schemeClr val="accent2"/>
                 </a:solidFill>
@@ -6405,7 +6408,7 @@
               <a:t>Blink</a:t>
             </a:r>
             <a:r>
-              <a:rPr lang="ko-KR" altLang="en-US" dirty="0" smtClean="0">
+              <a:rPr lang="ko-KR" altLang="en-US">
                 <a:solidFill>
                   <a:schemeClr val="accent2"/>
                 </a:solidFill>
@@ -6413,22 +6416,18 @@
               <a:t> 애니메이션 </a:t>
             </a:r>
             <a:r>
-              <a:rPr lang="en-US" altLang="ko-KR" dirty="0" smtClean="0"/>
+              <a:rPr lang="en-US" altLang="ko-KR"/>
               <a:t>: </a:t>
             </a:r>
             <a:r>
-              <a:rPr lang="ko-KR" altLang="en-US" dirty="0" smtClean="0"/>
-              <a:t>깜빡 </a:t>
-            </a:r>
-            <a:r>
-              <a:rPr lang="ko-KR" altLang="en-US" dirty="0" err="1" smtClean="0"/>
-              <a:t>거린다</a:t>
-            </a:r>
-            <a:r>
-              <a:rPr lang="en-US" altLang="ko-KR" dirty="0" smtClean="0"/>
+              <a:rPr lang="ko-KR" altLang="en-US"/>
+              <a:t>깜빡 거린다</a:t>
+            </a:r>
+            <a:r>
+              <a:rPr lang="en-US" altLang="ko-KR"/>
               <a:t>.</a:t>
             </a:r>
-            <a:endParaRPr lang="ko-KR" altLang="en-US" dirty="0"/>
+            <a:endParaRPr lang="ko-KR" altLang="en-US"/>
           </a:p>
         </p:txBody>
       </p:sp>
@@ -6482,17 +6481,20 @@
           <a:noFill/>
         </p:spPr>
         <p:txBody>
-          <a:bodyPr wrap="square" rtlCol="0">
+          <a:bodyPr wrap="square">
             <a:spAutoFit/>
           </a:bodyPr>
           <a:lstStyle/>
           <a:p>
-            <a:r>
-              <a:rPr lang="en-US" altLang="ko-KR" dirty="0" smtClean="0"/>
+            <a:pPr lvl="0">
+              <a:defRPr/>
+            </a:pPr>
+            <a:r>
+              <a:rPr lang="en-US" altLang="ko-KR"/>
               <a:t>2)</a:t>
             </a:r>
             <a:r>
-              <a:rPr lang="en-US" altLang="ko-KR" dirty="0" smtClean="0">
+              <a:rPr lang="en-US" altLang="ko-KR">
                 <a:solidFill>
                   <a:schemeClr val="accent2"/>
                 </a:solidFill>
@@ -6500,7 +6502,7 @@
               <a:t>Button </a:t>
             </a:r>
             <a:r>
-              <a:rPr lang="ko-KR" altLang="en-US" dirty="0" smtClean="0">
+              <a:rPr lang="ko-KR" altLang="en-US">
                 <a:solidFill>
                   <a:schemeClr val="accent2"/>
                 </a:solidFill>
@@ -6508,18 +6510,18 @@
               <a:t>기능</a:t>
             </a:r>
             <a:r>
-              <a:rPr lang="en-US" altLang="ko-KR" dirty="0" smtClean="0"/>
+              <a:rPr lang="en-US" altLang="ko-KR"/>
               <a:t>:</a:t>
             </a:r>
             <a:r>
-              <a:rPr lang="ko-KR" altLang="en-US" dirty="0" smtClean="0"/>
+              <a:rPr lang="ko-KR" altLang="en-US"/>
               <a:t> 원하는 공부 게임을 선택할 수 있다</a:t>
             </a:r>
             <a:r>
-              <a:rPr lang="en-US" altLang="ko-KR" dirty="0" smtClean="0"/>
+              <a:rPr lang="en-US" altLang="ko-KR"/>
               <a:t>.</a:t>
             </a:r>
-            <a:endParaRPr lang="ko-KR" altLang="en-US" dirty="0"/>
+            <a:endParaRPr lang="ko-KR" altLang="en-US"/>
           </a:p>
         </p:txBody>
       </p:sp>
@@ -6565,7 +6567,7 @@
         <p:spPr>
           <a:xfrm>
             <a:off x="5177790" y="1442502"/>
-            <a:ext cx="5692140" cy="2031325"/>
+            <a:ext cx="5692140" cy="2013168"/>
           </a:xfrm>
           <a:prstGeom prst="rect">
             <a:avLst/>
@@ -6573,17 +6575,20 @@
           <a:noFill/>
         </p:spPr>
         <p:txBody>
-          <a:bodyPr wrap="square" rtlCol="0">
+          <a:bodyPr wrap="square">
             <a:spAutoFit/>
           </a:bodyPr>
           <a:lstStyle/>
           <a:p>
-            <a:r>
-              <a:rPr lang="en-US" altLang="ko-KR" dirty="0" smtClean="0"/>
+            <a:pPr lvl="0">
+              <a:defRPr/>
+            </a:pPr>
+            <a:r>
+              <a:rPr lang="en-US" altLang="ko-KR"/>
               <a:t>3)</a:t>
             </a:r>
             <a:r>
-              <a:rPr lang="en-US" altLang="ko-KR" dirty="0" smtClean="0">
+              <a:rPr lang="en-US" altLang="ko-KR">
                 <a:solidFill>
                   <a:schemeClr val="accent2"/>
                 </a:solidFill>
@@ -6591,7 +6596,7 @@
               <a:t>For</a:t>
             </a:r>
             <a:r>
-              <a:rPr lang="ko-KR" altLang="en-US" dirty="0" smtClean="0">
+              <a:rPr lang="ko-KR" altLang="en-US">
                 <a:solidFill>
                   <a:schemeClr val="accent2"/>
                 </a:solidFill>
@@ -6599,58 +6604,61 @@
               <a:t>문</a:t>
             </a:r>
             <a:r>
-              <a:rPr lang="en-US" altLang="ko-KR" dirty="0" smtClean="0"/>
+              <a:rPr lang="en-US" altLang="ko-KR"/>
               <a:t>:</a:t>
             </a:r>
             <a:r>
-              <a:rPr lang="ko-KR" altLang="en-US" dirty="0" smtClean="0"/>
+              <a:rPr lang="ko-KR" altLang="en-US"/>
               <a:t>빨간색</a:t>
             </a:r>
             <a:r>
-              <a:rPr lang="en-US" altLang="ko-KR" dirty="0" smtClean="0"/>
+              <a:rPr lang="en-US" altLang="ko-KR"/>
               <a:t>box</a:t>
             </a:r>
             <a:r>
-              <a:rPr lang="ko-KR" altLang="en-US" dirty="0" smtClean="0"/>
+              <a:rPr lang="ko-KR" altLang="en-US"/>
               <a:t>를 </a:t>
             </a:r>
             <a:r>
-              <a:rPr lang="en-US" altLang="ko-KR" dirty="0" smtClean="0"/>
+              <a:rPr lang="en-US" altLang="ko-KR"/>
               <a:t>3</a:t>
             </a:r>
             <a:r>
-              <a:rPr lang="ko-KR" altLang="en-US" dirty="0" smtClean="0"/>
+              <a:rPr lang="ko-KR" altLang="en-US"/>
               <a:t>개 만든다</a:t>
             </a:r>
             <a:r>
-              <a:rPr lang="en-US" altLang="ko-KR" dirty="0" smtClean="0"/>
+              <a:rPr lang="en-US" altLang="ko-KR"/>
               <a:t>. </a:t>
             </a:r>
             <a:r>
-              <a:rPr lang="ko-KR" altLang="en-US" dirty="0" smtClean="0"/>
+              <a:rPr lang="ko-KR" altLang="en-US"/>
               <a:t>변수도 </a:t>
             </a:r>
             <a:r>
-              <a:rPr lang="en-US" altLang="ko-KR" dirty="0" smtClean="0"/>
+              <a:rPr lang="en-US" altLang="ko-KR"/>
               <a:t>3</a:t>
             </a:r>
             <a:r>
-              <a:rPr lang="ko-KR" altLang="en-US" dirty="0" smtClean="0"/>
+              <a:rPr lang="ko-KR" altLang="en-US"/>
               <a:t>으로 설정</a:t>
             </a:r>
             <a:r>
-              <a:rPr lang="en-US" altLang="ko-KR" dirty="0" smtClean="0"/>
+              <a:rPr lang="en-US" altLang="ko-KR"/>
               <a:t>.</a:t>
             </a:r>
-            <a:endParaRPr lang="en-US" altLang="ko-KR" dirty="0" smtClean="0"/>
-          </a:p>
-          <a:p>
-            <a:r>
-              <a:rPr lang="en-US" altLang="ko-KR" dirty="0" smtClean="0"/>
+            <a:endParaRPr lang="en-US" altLang="ko-KR"/>
+          </a:p>
+          <a:p>
+            <a:pPr lvl="0">
+              <a:defRPr/>
+            </a:pPr>
+            <a:r>
+              <a:rPr lang="en-US" altLang="ko-KR"/>
               <a:t>4)</a:t>
             </a:r>
             <a:r>
-              <a:rPr lang="en-US" altLang="ko-KR" dirty="0" smtClean="0">
+              <a:rPr lang="en-US" altLang="ko-KR">
                 <a:solidFill>
                   <a:schemeClr val="accent2"/>
                 </a:solidFill>
@@ -6658,7 +6666,7 @@
               <a:t>If</a:t>
             </a:r>
             <a:r>
-              <a:rPr lang="ko-KR" altLang="en-US" dirty="0" smtClean="0">
+              <a:rPr lang="ko-KR" altLang="en-US">
                 <a:solidFill>
                   <a:schemeClr val="accent2"/>
                 </a:solidFill>
@@ -6666,85 +6674,69 @@
               <a:t>문</a:t>
             </a:r>
             <a:r>
-              <a:rPr lang="en-US" altLang="ko-KR" dirty="0" smtClean="0"/>
+              <a:rPr lang="en-US" altLang="ko-KR"/>
               <a:t>:</a:t>
             </a:r>
             <a:r>
-              <a:rPr lang="ko-KR" altLang="en-US" dirty="0" smtClean="0"/>
-              <a:t>문제를 </a:t>
-            </a:r>
-            <a:r>
-              <a:rPr lang="ko-KR" altLang="en-US" dirty="0" err="1" smtClean="0"/>
-              <a:t>틀릴때마다</a:t>
-            </a:r>
-            <a:r>
-              <a:rPr lang="ko-KR" altLang="en-US" dirty="0"/>
-              <a:t> </a:t>
-            </a:r>
-            <a:r>
-              <a:rPr lang="ko-KR" altLang="en-US" dirty="0" smtClean="0"/>
-              <a:t> 변수가 </a:t>
-            </a:r>
-            <a:r>
-              <a:rPr lang="en-US" altLang="ko-KR" dirty="0" smtClean="0"/>
+              <a:rPr lang="ko-KR" altLang="en-US"/>
+              <a:t>문제를 틀릴때마다  변수가 </a:t>
+            </a:r>
+            <a:r>
+              <a:rPr lang="en-US" altLang="ko-KR"/>
               <a:t>1</a:t>
             </a:r>
             <a:r>
-              <a:rPr lang="ko-KR" altLang="en-US" dirty="0" smtClean="0"/>
+              <a:rPr lang="ko-KR" altLang="en-US"/>
               <a:t>씩 줄어들면서 하늘색</a:t>
             </a:r>
             <a:r>
-              <a:rPr lang="en-US" altLang="ko-KR" dirty="0" smtClean="0"/>
+              <a:rPr lang="en-US" altLang="ko-KR"/>
               <a:t>(</a:t>
             </a:r>
             <a:r>
-              <a:rPr lang="ko-KR" altLang="en-US" dirty="0" err="1" smtClean="0"/>
+              <a:rPr lang="ko-KR" altLang="en-US"/>
               <a:t>빈상자</a:t>
             </a:r>
             <a:r>
-              <a:rPr lang="en-US" altLang="ko-KR" dirty="0" smtClean="0"/>
+              <a:rPr lang="en-US" altLang="ko-KR"/>
               <a:t>)</a:t>
             </a:r>
             <a:r>
-              <a:rPr lang="ko-KR" altLang="en-US" dirty="0" smtClean="0"/>
+              <a:rPr lang="ko-KR" altLang="en-US"/>
               <a:t>으로 바뀐다</a:t>
             </a:r>
             <a:r>
-              <a:rPr lang="en-US" altLang="ko-KR" dirty="0" smtClean="0"/>
+              <a:rPr lang="en-US" altLang="ko-KR"/>
               <a:t>. </a:t>
             </a:r>
             <a:r>
-              <a:rPr lang="ko-KR" altLang="en-US" dirty="0" smtClean="0"/>
+              <a:rPr lang="ko-KR" altLang="en-US"/>
               <a:t>또한</a:t>
             </a:r>
             <a:r>
-              <a:rPr lang="en-US" altLang="ko-KR" dirty="0" smtClean="0"/>
+              <a:rPr lang="en-US" altLang="ko-KR"/>
               <a:t>, </a:t>
             </a:r>
             <a:r>
-              <a:rPr lang="ko-KR" altLang="en-US" dirty="0" smtClean="0"/>
-              <a:t>틀렸다고 </a:t>
-            </a:r>
-            <a:r>
-              <a:rPr lang="ko-KR" altLang="en-US" dirty="0" err="1" smtClean="0"/>
-              <a:t>알림창이</a:t>
-            </a:r>
-            <a:r>
-              <a:rPr lang="ko-KR" altLang="en-US" dirty="0" smtClean="0"/>
-              <a:t> 뜬다</a:t>
-            </a:r>
-            <a:r>
-              <a:rPr lang="en-US" altLang="ko-KR" dirty="0" smtClean="0"/>
+              <a:rPr lang="ko-KR" altLang="en-US"/>
+              <a:t>틀렸다고 알림창이 뜬다</a:t>
+            </a:r>
+            <a:r>
+              <a:rPr lang="en-US" altLang="ko-KR"/>
               <a:t>.</a:t>
             </a:r>
-          </a:p>
-          <a:p>
-            <a:r>
-              <a:rPr lang="en-US" altLang="ko-KR" dirty="0" smtClean="0"/>
+            <a:endParaRPr lang="en-US" altLang="ko-KR"/>
+          </a:p>
+          <a:p>
+            <a:pPr lvl="0">
+              <a:defRPr/>
+            </a:pPr>
+            <a:r>
+              <a:rPr lang="en-US" altLang="ko-KR"/>
               <a:t>5)</a:t>
             </a:r>
             <a:r>
-              <a:rPr lang="en-US" altLang="ko-KR" dirty="0" err="1" smtClean="0">
+              <a:rPr lang="en-US" altLang="ko-KR">
                 <a:solidFill>
                   <a:schemeClr val="accent2"/>
                 </a:solidFill>
@@ -6752,26 +6744,29 @@
               <a:t>innerText</a:t>
             </a:r>
             <a:r>
-              <a:rPr lang="en-US" altLang="ko-KR" dirty="0" smtClean="0"/>
+              <a:rPr lang="en-US" altLang="ko-KR"/>
               <a:t>:</a:t>
             </a:r>
             <a:r>
-              <a:rPr lang="ko-KR" altLang="en-US" dirty="0" err="1" smtClean="0"/>
+              <a:rPr lang="ko-KR" altLang="en-US"/>
               <a:t>점수표현</a:t>
             </a:r>
-            <a:endParaRPr lang="en-US" altLang="ko-KR" dirty="0" smtClean="0"/>
-          </a:p>
-          <a:p>
-            <a:r>
-              <a:rPr lang="en-US" altLang="ko-KR" dirty="0" smtClean="0"/>
+            <a:endParaRPr lang="ko-KR" altLang="en-US"/>
+          </a:p>
+          <a:p>
+            <a:pPr lvl="0">
+              <a:defRPr/>
+            </a:pPr>
+            <a:r>
+              <a:rPr lang="en-US" altLang="ko-KR"/>
               <a:t>6)</a:t>
             </a:r>
             <a:r>
-              <a:rPr lang="ko-KR" altLang="en-US" dirty="0"/>
+              <a:rPr lang="ko-KR" altLang="en-US"/>
               <a:t> </a:t>
             </a:r>
             <a:r>
-              <a:rPr lang="ko-KR" altLang="en-US" dirty="0" err="1">
+              <a:rPr lang="ko-KR" altLang="en-US">
                 <a:solidFill>
                   <a:schemeClr val="accent2"/>
                 </a:solidFill>
@@ -6779,7 +6774,7 @@
               <a:t>재귀호출</a:t>
             </a:r>
             <a:r>
-              <a:rPr lang="en-US" altLang="ko-KR" dirty="0">
+              <a:rPr lang="en-US" altLang="ko-KR">
                 <a:solidFill>
                   <a:schemeClr val="accent2"/>
                 </a:solidFill>
@@ -6787,7 +6782,7 @@
               <a:t> </a:t>
             </a:r>
             <a:r>
-              <a:rPr lang="ko-KR" altLang="en-US" dirty="0">
+              <a:rPr lang="ko-KR" altLang="en-US">
                 <a:solidFill>
                   <a:schemeClr val="accent2"/>
                 </a:solidFill>
@@ -6795,23 +6790,15 @@
               <a:t>및 </a:t>
             </a:r>
             <a:r>
-              <a:rPr lang="en-US" altLang="ko-KR" dirty="0" err="1">
+              <a:rPr lang="en-US" altLang="ko-KR">
                 <a:solidFill>
                   <a:schemeClr val="accent2"/>
                 </a:solidFill>
               </a:rPr>
-              <a:t>setTimeout</a:t>
-            </a:r>
-            <a:r>
-              <a:rPr lang="en-US" altLang="ko-KR" dirty="0">
-                <a:solidFill>
-                  <a:schemeClr val="accent2"/>
-                </a:solidFill>
-              </a:rPr>
-              <a:t>()</a:t>
-            </a:r>
-            <a:r>
-              <a:rPr lang="ko-KR" altLang="en-US" dirty="0" smtClean="0">
+              <a:t>setTimeout()</a:t>
+            </a:r>
+            <a:r>
+              <a:rPr lang="ko-KR" altLang="en-US">
                 <a:solidFill>
                   <a:schemeClr val="accent2"/>
                 </a:solidFill>
@@ -6819,33 +6806,34 @@
               <a:t>함수</a:t>
             </a:r>
             <a:r>
-              <a:rPr lang="en-US" altLang="ko-KR" dirty="0" smtClean="0"/>
+              <a:rPr lang="en-US" altLang="ko-KR"/>
               <a:t>:</a:t>
             </a:r>
             <a:r>
-              <a:rPr lang="ko-KR" altLang="en-US" dirty="0" smtClean="0"/>
+              <a:rPr lang="ko-KR" altLang="en-US"/>
               <a:t>초기값 </a:t>
             </a:r>
             <a:r>
-              <a:rPr lang="en-US" altLang="ko-KR" dirty="0" smtClean="0"/>
-              <a:t>10</a:t>
-            </a:r>
-            <a:r>
-              <a:rPr lang="ko-KR" altLang="en-US" dirty="0" smtClean="0"/>
+              <a:rPr lang="en-US" altLang="ko-KR"/>
+              <a:t>15</a:t>
+            </a:r>
+            <a:r>
+              <a:rPr lang="ko-KR" altLang="en-US"/>
               <a:t>초에서 </a:t>
             </a:r>
             <a:r>
-              <a:rPr lang="en-US" altLang="ko-KR" dirty="0" smtClean="0"/>
+              <a:rPr lang="en-US" altLang="ko-KR"/>
               <a:t>1</a:t>
             </a:r>
             <a:r>
-              <a:rPr lang="ko-KR" altLang="en-US" dirty="0" smtClean="0"/>
+              <a:rPr lang="ko-KR" altLang="en-US"/>
               <a:t>초씩 줄어들면서 타이머를 보여준다</a:t>
             </a:r>
             <a:r>
-              <a:rPr lang="en-US" altLang="ko-KR" dirty="0" smtClean="0"/>
+              <a:rPr lang="en-US" altLang="ko-KR"/>
               <a:t>.</a:t>
             </a:r>
+            <a:endParaRPr lang="en-US" altLang="ko-KR"/>
           </a:p>
         </p:txBody>
       </p:sp>
@@ -6899,17 +6887,20 @@
           <a:noFill/>
         </p:spPr>
         <p:txBody>
-          <a:bodyPr wrap="square" rtlCol="0">
+          <a:bodyPr wrap="square">
             <a:spAutoFit/>
           </a:bodyPr>
           <a:lstStyle/>
           <a:p>
-            <a:r>
-              <a:rPr lang="en-US" altLang="ko-KR" dirty="0" smtClean="0"/>
+            <a:pPr lvl="0">
+              <a:defRPr/>
+            </a:pPr>
+            <a:r>
+              <a:rPr lang="en-US" altLang="ko-KR"/>
               <a:t>7)</a:t>
             </a:r>
             <a:r>
-              <a:rPr lang="en-US" altLang="ko-KR" dirty="0" err="1" smtClean="0">
+              <a:rPr lang="en-US" altLang="ko-KR">
                 <a:solidFill>
                   <a:schemeClr val="accent2"/>
                 </a:solidFill>
@@ -6917,22 +6908,18 @@
               <a:t>json</a:t>
             </a:r>
             <a:r>
-              <a:rPr lang="en-US" altLang="ko-KR" dirty="0" smtClean="0"/>
+              <a:rPr lang="en-US" altLang="ko-KR"/>
               <a:t>:</a:t>
             </a:r>
             <a:r>
-              <a:rPr lang="ko-KR" altLang="en-US" dirty="0" err="1" smtClean="0"/>
-              <a:t>랜덤값으로</a:t>
-            </a:r>
-            <a:r>
-              <a:rPr lang="ko-KR" altLang="en-US" dirty="0" smtClean="0"/>
-              <a:t> 배열에서 선택해서 화면에 보여준다</a:t>
-            </a:r>
-            <a:r>
-              <a:rPr lang="en-US" altLang="ko-KR" dirty="0" smtClean="0"/>
+              <a:rPr lang="ko-KR" altLang="en-US"/>
+              <a:t>랜덤값으로 배열에서 선택해서 화면에 보여준다</a:t>
+            </a:r>
+            <a:r>
+              <a:rPr lang="en-US" altLang="ko-KR"/>
               <a:t>.</a:t>
             </a:r>
-            <a:endParaRPr lang="ko-KR" altLang="en-US" dirty="0"/>
+            <a:endParaRPr lang="ko-KR" altLang="en-US"/>
           </a:p>
         </p:txBody>
       </p:sp>
@@ -6988,32 +6975,27 @@
           <a:noFill/>
         </p:spPr>
         <p:txBody>
-          <a:bodyPr wrap="square" rtlCol="0">
+          <a:bodyPr wrap="square">
             <a:spAutoFit/>
           </a:bodyPr>
           <a:lstStyle/>
           <a:p>
-            <a:r>
-              <a:rPr lang="ko-KR" altLang="en-US" dirty="0" smtClean="0"/>
-              <a:t>버튼을 누르면 힌트를 </a:t>
-            </a:r>
-            <a:r>
-              <a:rPr lang="ko-KR" altLang="en-US" dirty="0" err="1" smtClean="0"/>
-              <a:t>알림창으로</a:t>
-            </a:r>
-            <a:r>
-              <a:rPr lang="ko-KR" altLang="en-US" dirty="0" smtClean="0"/>
-              <a:t> 보여준다</a:t>
-            </a:r>
-            <a:r>
-              <a:rPr lang="en-US" altLang="ko-KR" dirty="0" smtClean="0"/>
+            <a:pPr lvl="0">
+              <a:defRPr/>
+            </a:pPr>
+            <a:r>
+              <a:rPr lang="ko-KR" altLang="en-US"/>
+              <a:t>버튼을 누르면 힌트를 알림창으로 보여준다</a:t>
+            </a:r>
+            <a:r>
+              <a:rPr lang="en-US" altLang="ko-KR"/>
               <a:t>.</a:t>
             </a:r>
             <a:r>
-              <a:rPr lang="ko-KR" altLang="en-US" dirty="0" smtClean="0"/>
+              <a:rPr lang="ko-KR" altLang="en-US"/>
               <a:t> </a:t>
             </a:r>
-            <a:endParaRPr lang="ko-KR" altLang="en-US" dirty="0"/>
+            <a:endParaRPr lang="ko-KR" altLang="en-US"/>
           </a:p>
         </p:txBody>
       </p:sp>
@@ -7059,7 +7041,7 @@
         <p:spPr>
           <a:xfrm>
             <a:off x="5177790" y="4905970"/>
-            <a:ext cx="6583680" cy="923330"/>
+            <a:ext cx="6583680" cy="902375"/>
           </a:xfrm>
           <a:prstGeom prst="rect">
             <a:avLst/>
@@ -7067,17 +7049,20 @@
           <a:noFill/>
         </p:spPr>
         <p:txBody>
-          <a:bodyPr wrap="square" rtlCol="0">
+          <a:bodyPr wrap="square">
             <a:spAutoFit/>
           </a:bodyPr>
           <a:lstStyle/>
           <a:p>
-            <a:r>
-              <a:rPr lang="en-US" altLang="ko-KR" dirty="0" smtClean="0"/>
+            <a:pPr lvl="0">
+              <a:defRPr/>
+            </a:pPr>
+            <a:r>
+              <a:rPr lang="en-US" altLang="ko-KR"/>
               <a:t>8)</a:t>
             </a:r>
             <a:r>
-              <a:rPr lang="ko-KR" altLang="en-US" dirty="0" err="1" smtClean="0">
+              <a:rPr lang="ko-KR" altLang="en-US">
                 <a:solidFill>
                   <a:schemeClr val="accent2"/>
                 </a:solidFill>
@@ -7085,49 +7070,45 @@
               <a:t>이차원배열</a:t>
             </a:r>
             <a:r>
-              <a:rPr lang="en-US" altLang="ko-KR" dirty="0" smtClean="0"/>
+              <a:rPr lang="en-US" altLang="ko-KR"/>
               <a:t>:</a:t>
             </a:r>
             <a:r>
-              <a:rPr lang="ko-KR" altLang="en-US" dirty="0" smtClean="0"/>
-              <a:t>카테고리별로 현재 유저가 보고있는 </a:t>
-            </a:r>
-            <a:r>
-              <a:rPr lang="ko-KR" altLang="en-US" dirty="0" err="1" smtClean="0"/>
-              <a:t>랜덤값</a:t>
-            </a:r>
-            <a:r>
-              <a:rPr lang="ko-KR" altLang="en-US" dirty="0" smtClean="0"/>
-              <a:t> </a:t>
-            </a:r>
-            <a:r>
-              <a:rPr lang="en-US" altLang="ko-KR" dirty="0" err="1" smtClean="0"/>
+              <a:rPr lang="ko-KR" altLang="en-US"/>
+              <a:t>카테고리별로 현재 유저가 보고있는 랜덤값 </a:t>
+            </a:r>
+            <a:r>
+              <a:rPr lang="en-US" altLang="ko-KR"/>
               <a:t>json</a:t>
             </a:r>
             <a:r>
-              <a:rPr lang="ko-KR" altLang="en-US" dirty="0" smtClean="0"/>
+              <a:rPr lang="ko-KR" altLang="en-US"/>
               <a:t>과 선택한 이미지에 해당하는 </a:t>
             </a:r>
             <a:r>
-              <a:rPr lang="en-US" altLang="ko-KR" dirty="0" err="1" smtClean="0"/>
+              <a:rPr lang="en-US" altLang="ko-KR"/>
               <a:t>json</a:t>
             </a:r>
             <a:r>
-              <a:rPr lang="ko-KR" altLang="en-US" dirty="0" smtClean="0"/>
+              <a:rPr lang="ko-KR" altLang="en-US"/>
               <a:t>을 추출하여 비교한다</a:t>
             </a:r>
             <a:r>
-              <a:rPr lang="en-US" altLang="ko-KR" dirty="0" smtClean="0"/>
+              <a:rPr lang="en-US" altLang="ko-KR"/>
               <a:t>.</a:t>
             </a:r>
-          </a:p>
-          <a:p>
-            <a:r>
-              <a:rPr lang="en-US" altLang="ko-KR" dirty="0" smtClean="0"/>
+            <a:endParaRPr lang="en-US" altLang="ko-KR"/>
+          </a:p>
+          <a:p>
+            <a:pPr lvl="0">
+              <a:defRPr/>
+            </a:pPr>
+            <a:r>
+              <a:rPr lang="en-US" altLang="ko-KR"/>
               <a:t>9)</a:t>
             </a:r>
             <a:r>
-              <a:rPr lang="en-US" altLang="ko-KR" dirty="0" smtClean="0">
+              <a:rPr lang="en-US" altLang="ko-KR">
                 <a:solidFill>
                   <a:schemeClr val="accent2"/>
                 </a:solidFill>
@@ -7135,22 +7116,14 @@
               <a:t>hover</a:t>
             </a:r>
             <a:r>
-              <a:rPr lang="en-US" altLang="ko-KR" dirty="0" smtClean="0"/>
+              <a:rPr lang="en-US" altLang="ko-KR"/>
               <a:t>:</a:t>
             </a:r>
             <a:r>
-              <a:rPr lang="ko-KR" altLang="en-US" dirty="0" smtClean="0"/>
-              <a:t>화살표를 </a:t>
-            </a:r>
-            <a:r>
-              <a:rPr lang="ko-KR" altLang="en-US" dirty="0" err="1" smtClean="0"/>
-              <a:t>갖다대면</a:t>
-            </a:r>
-            <a:r>
-              <a:rPr lang="ko-KR" altLang="en-US" dirty="0" smtClean="0"/>
-              <a:t> 테두리가 생김</a:t>
-            </a:r>
-            <a:endParaRPr lang="ko-KR" altLang="en-US" dirty="0"/>
+              <a:rPr lang="ko-KR" altLang="en-US"/>
+              <a:t>화살표를 갖다대면 테두리가 생김</a:t>
+            </a:r>
+            <a:endParaRPr lang="ko-KR" altLang="en-US"/>
           </a:p>
         </p:txBody>
       </p:sp>
@@ -7171,25 +7144,24 @@
           <a:noFill/>
         </p:spPr>
         <p:txBody>
-          <a:bodyPr wrap="square" rtlCol="0">
+          <a:bodyPr wrap="square">
             <a:spAutoFit/>
           </a:bodyPr>
           <a:lstStyle/>
           <a:p>
-            <a:r>
-              <a:rPr lang="en-US" altLang="ko-KR" dirty="0" smtClean="0"/>
+            <a:pPr lvl="0">
+              <a:defRPr/>
+            </a:pPr>
+            <a:r>
+              <a:rPr lang="en-US" altLang="ko-KR"/>
               <a:t>#</a:t>
             </a:r>
             <a:r>
-              <a:rPr lang="ko-KR" altLang="en-US" dirty="0" err="1" smtClean="0"/>
-              <a:t>알림창은</a:t>
-            </a:r>
-            <a:r>
-              <a:rPr lang="ko-KR" altLang="en-US" dirty="0" smtClean="0"/>
-              <a:t> </a:t>
-            </a:r>
-            <a:r>
-              <a:rPr lang="en-US" altLang="ko-KR" dirty="0" smtClean="0">
+              <a:rPr lang="ko-KR" altLang="en-US"/>
+              <a:t>알림창은 </a:t>
+            </a:r>
+            <a:r>
+              <a:rPr lang="en-US" altLang="ko-KR">
                 <a:solidFill>
                   <a:schemeClr val="accent2"/>
                 </a:solidFill>
@@ -7197,27 +7169,30 @@
               <a:t>sweetalert2</a:t>
             </a:r>
             <a:r>
-              <a:rPr lang="ko-KR" altLang="en-US" dirty="0" smtClean="0"/>
+              <a:rPr lang="ko-KR" altLang="en-US"/>
               <a:t>소스를 사용하였다</a:t>
             </a:r>
             <a:r>
-              <a:rPr lang="en-US" altLang="ko-KR" dirty="0" smtClean="0"/>
+              <a:rPr lang="en-US" altLang="ko-KR"/>
               <a:t>.</a:t>
             </a:r>
-            <a:endParaRPr lang="ko-KR" altLang="en-US" dirty="0"/>
+            <a:endParaRPr lang="ko-KR" altLang="en-US"/>
           </a:p>
         </p:txBody>
       </p:sp>
     </p:spTree>
-    <p:extLst>
-      <p:ext uri="{BB962C8B-B14F-4D97-AF65-F5344CB8AC3E}">
-        <p14:creationId xmlns:p14="http://schemas.microsoft.com/office/powerpoint/2010/main" val="1305760483"/>
-      </p:ext>
-    </p:extLst>
   </p:cSld>
   <p:clrMapOvr>
     <a:masterClrMapping/>
   </p:clrMapOvr>
+  <mc:AlternateContent xmlns:mc="http://schemas.openxmlformats.org/markup-compatibility/2006">
+    <mc:Choice xmlns:p14="http://schemas.microsoft.com/office/powerpoint/2010/main" Requires="p14">
+      <p:transition xmlns:mc="http://schemas.openxmlformats.org/markup-compatibility/2006" xmlns:p14="http://schemas.microsoft.com/office/powerpoint/2010/main" mc:Ignorable="p14" p14:dur="500"/>
+    </mc:Choice>
+    <mc:Fallback>
+      <p:transition/>
+    </mc:Fallback>
+  </mc:AlternateContent>
   <p:timing>
     <p:tnLst>
       <p:par>
@@ -7587,10 +7562,18 @@
           <a:lstStyle/>
           <a:p>
             <a:r>
-              <a:rPr lang="ko-KR" altLang="en-US" dirty="0" smtClean="0"/>
+              <a:rPr lang="ko-KR" altLang="en-US" dirty="0" smtClean="0">
+                <a:solidFill>
+                  <a:schemeClr val="accent1"/>
+                </a:solidFill>
+              </a:rPr>
               <a:t>잘된 부분</a:t>
             </a:r>
-            <a:endParaRPr lang="ko-KR" altLang="en-US" dirty="0"/>
+            <a:endParaRPr lang="ko-KR" altLang="en-US" dirty="0">
+              <a:solidFill>
+                <a:schemeClr val="accent1"/>
+              </a:solidFill>
+            </a:endParaRPr>
           </a:p>
         </p:txBody>
       </p:sp>
@@ -7685,10 +7668,18 @@
           <a:lstStyle/>
           <a:p>
             <a:r>
-              <a:rPr lang="ko-KR" altLang="en-US" dirty="0" smtClean="0"/>
+              <a:rPr lang="ko-KR" altLang="en-US" dirty="0" smtClean="0">
+                <a:solidFill>
+                  <a:schemeClr val="accent1"/>
+                </a:solidFill>
+              </a:rPr>
               <a:t>부족한 부분</a:t>
             </a:r>
-            <a:endParaRPr lang="ko-KR" altLang="en-US" dirty="0"/>
+            <a:endParaRPr lang="ko-KR" altLang="en-US" dirty="0">
+              <a:solidFill>
+                <a:schemeClr val="accent1"/>
+              </a:solidFill>
+            </a:endParaRPr>
           </a:p>
         </p:txBody>
       </p:sp>
@@ -7957,55 +7948,55 @@
 </file>
 
 <file path=ppt/theme/theme1.xml><?xml version="1.0" encoding="utf-8"?>
-<a:theme xmlns:a="http://schemas.openxmlformats.org/drawingml/2006/main" name="패싯">
+<a:theme xmlns:r="http://schemas.openxmlformats.org/officeDocument/2006/relationships" xmlns:c="http://schemas.openxmlformats.org/drawingml/2006/chart" xmlns:dgm="http://schemas.openxmlformats.org/drawingml/2006/diagram" xmlns:dsp="http://schemas.microsoft.com/office/drawing/2008/diagram" xmlns:a="http://schemas.openxmlformats.org/drawingml/2006/main" xmlns:pic="http://schemas.openxmlformats.org/drawingml/2006/picture" xmlns:wp="http://schemas.openxmlformats.org/drawingml/2006/wordprocessingDrawing" xmlns:xdr="http://schemas.openxmlformats.org/drawingml/2006/spreadsheetDrawing" xmlns:p="http://schemas.openxmlformats.org/presentationml/2006/main" name="패싯">
   <a:themeElements>
     <a:clrScheme name="Facet">
       <a:dk1>
         <a:sysClr val="windowText" lastClr="000000"/>
       </a:dk1>
       <a:lt1>
-        <a:sysClr val="window" lastClr="FFFFFF"/>
+        <a:sysClr val="window" lastClr="ffffff"/>
       </a:lt1>
       <a:dk2>
-        <a:srgbClr val="2C3C43"/>
+        <a:srgbClr val="2c3c43"/>
       </a:dk2>
       <a:lt2>
-        <a:srgbClr val="EBEBEB"/>
+        <a:srgbClr val="ebebeb"/>
       </a:lt2>
       <a:accent1>
-        <a:srgbClr val="90C226"/>
+        <a:srgbClr val="90c226"/>
       </a:accent1>
       <a:accent2>
-        <a:srgbClr val="54A021"/>
+        <a:srgbClr val="54a021"/>
       </a:accent2>
       <a:accent3>
-        <a:srgbClr val="E6B91E"/>
+        <a:srgbClr val="e6b91e"/>
       </a:accent3>
       <a:accent4>
-        <a:srgbClr val="E76618"/>
+        <a:srgbClr val="e76618"/>
       </a:accent4>
       <a:accent5>
-        <a:srgbClr val="C42F1A"/>
+        <a:srgbClr val="c42f1a"/>
       </a:accent5>
       <a:accent6>
         <a:srgbClr val="918655"/>
       </a:accent6>
       <a:hlink>
-        <a:srgbClr val="99CA3C"/>
+        <a:srgbClr val="99ca3c"/>
       </a:hlink>
       <a:folHlink>
-        <a:srgbClr val="B9D181"/>
+        <a:srgbClr val="b9d181"/>
       </a:folHlink>
     </a:clrScheme>
     <a:fontScheme name="Facet">
       <a:majorFont>
-        <a:latin typeface="Trebuchet MS" panose="020B0603020202020204"/>
+        <a:latin typeface="Trebuchet MS" panose="20"/>
         <a:ea typeface=""/>
         <a:cs typeface=""/>
-        <a:font script="Jpan" typeface="メイリオ"/>
+        <a:font script="Jpan" typeface="Meiryo"/>
         <a:font script="Hang" typeface="맑은 고딕"/>
         <a:font script="Hans" typeface="方正姚体"/>
-        <a:font script="Hant" typeface="微軟正黑體"/>
+        <a:font script="Hant" typeface="Microsoft JhengHei"/>
         <a:font script="Arab" typeface="Tahoma"/>
         <a:font script="Hebr" typeface="Arial"/>
         <a:font script="Thai" typeface="Cordia New"/>
@@ -8034,13 +8025,13 @@
         <a:font script="Geor" typeface="Sylfaen"/>
       </a:majorFont>
       <a:minorFont>
-        <a:latin typeface="Trebuchet MS" panose="020B0603020202020204"/>
+        <a:latin typeface="Trebuchet MS" panose="20"/>
         <a:ea typeface=""/>
         <a:cs typeface=""/>
-        <a:font script="Jpan" typeface="メイリオ"/>
+        <a:font script="Jpan" typeface="Meiryo"/>
         <a:font script="Hang" typeface="HY그래픽M"/>
         <a:font script="Hans" typeface="华文新魏"/>
-        <a:font script="Hant" typeface="微軟正黑體"/>
+        <a:font script="Hant" typeface="Microsoft JhengHei"/>
         <a:font script="Arab" typeface="Tahoma"/>
         <a:font script="Hebr" typeface="Gisha"/>
         <a:font script="Thai" typeface="IrisUPC"/>
@@ -8203,12 +8194,5 @@
       </a:bgFillStyleLst>
     </a:fmtScheme>
   </a:themeElements>
-  <a:objectDefaults/>
-  <a:extraClrSchemeLst/>
-  <a:extLst>
-    <a:ext uri="{05A4C25C-085E-4340-85A3-A5531E510DB2}">
-      <thm15:themeFamily xmlns:thm15="http://schemas.microsoft.com/office/thememl/2012/main" name="Facet" id="{C0C680CD-088A-49FC-A102-D699147F32B2}" vid="{CFBC31BA-B70F-4F30-BCAA-4F3011E16C4D}"/>
-    </a:ext>
-  </a:extLst>
 </a:theme>
 </file>